--- a/2023/10月/26-10-2023祈禱會.pptx
+++ b/2023/10月/26-10-2023祈禱會.pptx
@@ -328,7 +328,8 @@
           <a:p>
             <a:fld id="{3AC9443D-8983-40C4-AD6D-FA0CB3B8166E}" type="datetimeFigureOut">
               <a:rPr lang="en-US" smtClean="0"/>
-              <a:t>10/24/2023</a:t>
+              <a:pPr/>
+              <a:t>10/26/2023</a:t>
             </a:fld>
             <a:endParaRPr lang="en-US"/>
           </a:p>
@@ -370,6 +371,7 @@
           <a:p>
             <a:fld id="{D7D9C736-9957-4AE2-BB10-A010EF5A479F}" type="slidenum">
               <a:rPr lang="en-US" smtClean="0"/>
+              <a:pPr/>
               <a:t>‹#›</a:t>
             </a:fld>
             <a:endParaRPr lang="en-US"/>
@@ -379,7 +381,7 @@
     </p:spTree>
     <p:extLst>
       <p:ext uri="{BB962C8B-B14F-4D97-AF65-F5344CB8AC3E}">
-        <p14:creationId xmlns:p14="http://schemas.microsoft.com/office/powerpoint/2010/main" val="1984271321"/>
+        <p14:creationId xmlns:p14="http://schemas.microsoft.com/office/powerpoint/2010/main" xmlns="" val="1984271321"/>
       </p:ext>
     </p:extLst>
   </p:cSld>
@@ -498,7 +500,8 @@
           <a:p>
             <a:fld id="{3AC9443D-8983-40C4-AD6D-FA0CB3B8166E}" type="datetimeFigureOut">
               <a:rPr lang="en-US" smtClean="0"/>
-              <a:t>10/24/2023</a:t>
+              <a:pPr/>
+              <a:t>10/26/2023</a:t>
             </a:fld>
             <a:endParaRPr lang="en-US"/>
           </a:p>
@@ -540,6 +543,7 @@
           <a:p>
             <a:fld id="{D7D9C736-9957-4AE2-BB10-A010EF5A479F}" type="slidenum">
               <a:rPr lang="en-US" smtClean="0"/>
+              <a:pPr/>
               <a:t>‹#›</a:t>
             </a:fld>
             <a:endParaRPr lang="en-US"/>
@@ -549,7 +553,7 @@
     </p:spTree>
     <p:extLst>
       <p:ext uri="{BB962C8B-B14F-4D97-AF65-F5344CB8AC3E}">
-        <p14:creationId xmlns:p14="http://schemas.microsoft.com/office/powerpoint/2010/main" val="3435025835"/>
+        <p14:creationId xmlns:p14="http://schemas.microsoft.com/office/powerpoint/2010/main" xmlns="" val="3435025835"/>
       </p:ext>
     </p:extLst>
   </p:cSld>
@@ -678,7 +682,8 @@
           <a:p>
             <a:fld id="{3AC9443D-8983-40C4-AD6D-FA0CB3B8166E}" type="datetimeFigureOut">
               <a:rPr lang="en-US" smtClean="0"/>
-              <a:t>10/24/2023</a:t>
+              <a:pPr/>
+              <a:t>10/26/2023</a:t>
             </a:fld>
             <a:endParaRPr lang="en-US"/>
           </a:p>
@@ -720,6 +725,7 @@
           <a:p>
             <a:fld id="{D7D9C736-9957-4AE2-BB10-A010EF5A479F}" type="slidenum">
               <a:rPr lang="en-US" smtClean="0"/>
+              <a:pPr/>
               <a:t>‹#›</a:t>
             </a:fld>
             <a:endParaRPr lang="en-US"/>
@@ -729,7 +735,7 @@
     </p:spTree>
     <p:extLst>
       <p:ext uri="{BB962C8B-B14F-4D97-AF65-F5344CB8AC3E}">
-        <p14:creationId xmlns:p14="http://schemas.microsoft.com/office/powerpoint/2010/main" val="3656850496"/>
+        <p14:creationId xmlns:p14="http://schemas.microsoft.com/office/powerpoint/2010/main" xmlns="" val="3656850496"/>
       </p:ext>
     </p:extLst>
   </p:cSld>
@@ -848,7 +854,8 @@
           <a:p>
             <a:fld id="{3AC9443D-8983-40C4-AD6D-FA0CB3B8166E}" type="datetimeFigureOut">
               <a:rPr lang="en-US" smtClean="0"/>
-              <a:t>10/24/2023</a:t>
+              <a:pPr/>
+              <a:t>10/26/2023</a:t>
             </a:fld>
             <a:endParaRPr lang="en-US"/>
           </a:p>
@@ -890,6 +897,7 @@
           <a:p>
             <a:fld id="{D7D9C736-9957-4AE2-BB10-A010EF5A479F}" type="slidenum">
               <a:rPr lang="en-US" smtClean="0"/>
+              <a:pPr/>
               <a:t>‹#›</a:t>
             </a:fld>
             <a:endParaRPr lang="en-US"/>
@@ -899,7 +907,7 @@
     </p:spTree>
     <p:extLst>
       <p:ext uri="{BB962C8B-B14F-4D97-AF65-F5344CB8AC3E}">
-        <p14:creationId xmlns:p14="http://schemas.microsoft.com/office/powerpoint/2010/main" val="1290358906"/>
+        <p14:creationId xmlns:p14="http://schemas.microsoft.com/office/powerpoint/2010/main" xmlns="" val="1290358906"/>
       </p:ext>
     </p:extLst>
   </p:cSld>
@@ -1094,7 +1102,8 @@
           <a:p>
             <a:fld id="{3AC9443D-8983-40C4-AD6D-FA0CB3B8166E}" type="datetimeFigureOut">
               <a:rPr lang="en-US" smtClean="0"/>
-              <a:t>10/24/2023</a:t>
+              <a:pPr/>
+              <a:t>10/26/2023</a:t>
             </a:fld>
             <a:endParaRPr lang="en-US"/>
           </a:p>
@@ -1136,6 +1145,7 @@
           <a:p>
             <a:fld id="{D7D9C736-9957-4AE2-BB10-A010EF5A479F}" type="slidenum">
               <a:rPr lang="en-US" smtClean="0"/>
+              <a:pPr/>
               <a:t>‹#›</a:t>
             </a:fld>
             <a:endParaRPr lang="en-US"/>
@@ -1145,7 +1155,7 @@
     </p:spTree>
     <p:extLst>
       <p:ext uri="{BB962C8B-B14F-4D97-AF65-F5344CB8AC3E}">
-        <p14:creationId xmlns:p14="http://schemas.microsoft.com/office/powerpoint/2010/main" val="3365351476"/>
+        <p14:creationId xmlns:p14="http://schemas.microsoft.com/office/powerpoint/2010/main" xmlns="" val="3365351476"/>
       </p:ext>
     </p:extLst>
   </p:cSld>
@@ -1382,7 +1392,8 @@
           <a:p>
             <a:fld id="{3AC9443D-8983-40C4-AD6D-FA0CB3B8166E}" type="datetimeFigureOut">
               <a:rPr lang="en-US" smtClean="0"/>
-              <a:t>10/24/2023</a:t>
+              <a:pPr/>
+              <a:t>10/26/2023</a:t>
             </a:fld>
             <a:endParaRPr lang="en-US"/>
           </a:p>
@@ -1424,6 +1435,7 @@
           <a:p>
             <a:fld id="{D7D9C736-9957-4AE2-BB10-A010EF5A479F}" type="slidenum">
               <a:rPr lang="en-US" smtClean="0"/>
+              <a:pPr/>
               <a:t>‹#›</a:t>
             </a:fld>
             <a:endParaRPr lang="en-US"/>
@@ -1433,7 +1445,7 @@
     </p:spTree>
     <p:extLst>
       <p:ext uri="{BB962C8B-B14F-4D97-AF65-F5344CB8AC3E}">
-        <p14:creationId xmlns:p14="http://schemas.microsoft.com/office/powerpoint/2010/main" val="70267547"/>
+        <p14:creationId xmlns:p14="http://schemas.microsoft.com/office/powerpoint/2010/main" xmlns="" val="70267547"/>
       </p:ext>
     </p:extLst>
   </p:cSld>
@@ -1804,7 +1816,8 @@
           <a:p>
             <a:fld id="{3AC9443D-8983-40C4-AD6D-FA0CB3B8166E}" type="datetimeFigureOut">
               <a:rPr lang="en-US" smtClean="0"/>
-              <a:t>10/24/2023</a:t>
+              <a:pPr/>
+              <a:t>10/26/2023</a:t>
             </a:fld>
             <a:endParaRPr lang="en-US"/>
           </a:p>
@@ -1846,6 +1859,7 @@
           <a:p>
             <a:fld id="{D7D9C736-9957-4AE2-BB10-A010EF5A479F}" type="slidenum">
               <a:rPr lang="en-US" smtClean="0"/>
+              <a:pPr/>
               <a:t>‹#›</a:t>
             </a:fld>
             <a:endParaRPr lang="en-US"/>
@@ -1855,7 +1869,7 @@
     </p:spTree>
     <p:extLst>
       <p:ext uri="{BB962C8B-B14F-4D97-AF65-F5344CB8AC3E}">
-        <p14:creationId xmlns:p14="http://schemas.microsoft.com/office/powerpoint/2010/main" val="1025048591"/>
+        <p14:creationId xmlns:p14="http://schemas.microsoft.com/office/powerpoint/2010/main" xmlns="" val="1025048591"/>
       </p:ext>
     </p:extLst>
   </p:cSld>
@@ -1922,7 +1936,8 @@
           <a:p>
             <a:fld id="{3AC9443D-8983-40C4-AD6D-FA0CB3B8166E}" type="datetimeFigureOut">
               <a:rPr lang="en-US" smtClean="0"/>
-              <a:t>10/24/2023</a:t>
+              <a:pPr/>
+              <a:t>10/26/2023</a:t>
             </a:fld>
             <a:endParaRPr lang="en-US"/>
           </a:p>
@@ -1964,6 +1979,7 @@
           <a:p>
             <a:fld id="{D7D9C736-9957-4AE2-BB10-A010EF5A479F}" type="slidenum">
               <a:rPr lang="en-US" smtClean="0"/>
+              <a:pPr/>
               <a:t>‹#›</a:t>
             </a:fld>
             <a:endParaRPr lang="en-US"/>
@@ -1973,7 +1989,7 @@
     </p:spTree>
     <p:extLst>
       <p:ext uri="{BB962C8B-B14F-4D97-AF65-F5344CB8AC3E}">
-        <p14:creationId xmlns:p14="http://schemas.microsoft.com/office/powerpoint/2010/main" val="3929419862"/>
+        <p14:creationId xmlns:p14="http://schemas.microsoft.com/office/powerpoint/2010/main" xmlns="" val="3929419862"/>
       </p:ext>
     </p:extLst>
   </p:cSld>
@@ -2017,7 +2033,8 @@
           <a:p>
             <a:fld id="{3AC9443D-8983-40C4-AD6D-FA0CB3B8166E}" type="datetimeFigureOut">
               <a:rPr lang="en-US" smtClean="0"/>
-              <a:t>10/24/2023</a:t>
+              <a:pPr/>
+              <a:t>10/26/2023</a:t>
             </a:fld>
             <a:endParaRPr lang="en-US"/>
           </a:p>
@@ -2059,6 +2076,7 @@
           <a:p>
             <a:fld id="{D7D9C736-9957-4AE2-BB10-A010EF5A479F}" type="slidenum">
               <a:rPr lang="en-US" smtClean="0"/>
+              <a:pPr/>
               <a:t>‹#›</a:t>
             </a:fld>
             <a:endParaRPr lang="en-US"/>
@@ -2068,7 +2086,7 @@
     </p:spTree>
     <p:extLst>
       <p:ext uri="{BB962C8B-B14F-4D97-AF65-F5344CB8AC3E}">
-        <p14:creationId xmlns:p14="http://schemas.microsoft.com/office/powerpoint/2010/main" val="3196800787"/>
+        <p14:creationId xmlns:p14="http://schemas.microsoft.com/office/powerpoint/2010/main" xmlns="" val="3196800787"/>
       </p:ext>
     </p:extLst>
   </p:cSld>
@@ -2294,7 +2312,8 @@
           <a:p>
             <a:fld id="{3AC9443D-8983-40C4-AD6D-FA0CB3B8166E}" type="datetimeFigureOut">
               <a:rPr lang="en-US" smtClean="0"/>
-              <a:t>10/24/2023</a:t>
+              <a:pPr/>
+              <a:t>10/26/2023</a:t>
             </a:fld>
             <a:endParaRPr lang="en-US"/>
           </a:p>
@@ -2336,6 +2355,7 @@
           <a:p>
             <a:fld id="{D7D9C736-9957-4AE2-BB10-A010EF5A479F}" type="slidenum">
               <a:rPr lang="en-US" smtClean="0"/>
+              <a:pPr/>
               <a:t>‹#›</a:t>
             </a:fld>
             <a:endParaRPr lang="en-US"/>
@@ -2345,7 +2365,7 @@
     </p:spTree>
     <p:extLst>
       <p:ext uri="{BB962C8B-B14F-4D97-AF65-F5344CB8AC3E}">
-        <p14:creationId xmlns:p14="http://schemas.microsoft.com/office/powerpoint/2010/main" val="2745301999"/>
+        <p14:creationId xmlns:p14="http://schemas.microsoft.com/office/powerpoint/2010/main" xmlns="" val="2745301999"/>
       </p:ext>
     </p:extLst>
   </p:cSld>
@@ -2551,7 +2571,8 @@
           <a:p>
             <a:fld id="{3AC9443D-8983-40C4-AD6D-FA0CB3B8166E}" type="datetimeFigureOut">
               <a:rPr lang="en-US" smtClean="0"/>
-              <a:t>10/24/2023</a:t>
+              <a:pPr/>
+              <a:t>10/26/2023</a:t>
             </a:fld>
             <a:endParaRPr lang="en-US"/>
           </a:p>
@@ -2593,6 +2614,7 @@
           <a:p>
             <a:fld id="{D7D9C736-9957-4AE2-BB10-A010EF5A479F}" type="slidenum">
               <a:rPr lang="en-US" smtClean="0"/>
+              <a:pPr/>
               <a:t>‹#›</a:t>
             </a:fld>
             <a:endParaRPr lang="en-US"/>
@@ -2602,7 +2624,7 @@
     </p:spTree>
     <p:extLst>
       <p:ext uri="{BB962C8B-B14F-4D97-AF65-F5344CB8AC3E}">
-        <p14:creationId xmlns:p14="http://schemas.microsoft.com/office/powerpoint/2010/main" val="1812119560"/>
+        <p14:creationId xmlns:p14="http://schemas.microsoft.com/office/powerpoint/2010/main" xmlns="" val="1812119560"/>
       </p:ext>
     </p:extLst>
   </p:cSld>
@@ -2769,7 +2791,8 @@
           <a:p>
             <a:fld id="{3AC9443D-8983-40C4-AD6D-FA0CB3B8166E}" type="datetimeFigureOut">
               <a:rPr lang="en-US" smtClean="0"/>
-              <a:t>10/24/2023</a:t>
+              <a:pPr/>
+              <a:t>10/26/2023</a:t>
             </a:fld>
             <a:endParaRPr lang="en-US"/>
           </a:p>
@@ -2847,6 +2870,7 @@
           <a:p>
             <a:fld id="{D7D9C736-9957-4AE2-BB10-A010EF5A479F}" type="slidenum">
               <a:rPr lang="en-US" smtClean="0"/>
+              <a:pPr/>
               <a:t>‹#›</a:t>
             </a:fld>
             <a:endParaRPr lang="en-US"/>
@@ -2856,7 +2880,7 @@
     </p:spTree>
     <p:extLst>
       <p:ext uri="{BB962C8B-B14F-4D97-AF65-F5344CB8AC3E}">
-        <p14:creationId xmlns:p14="http://schemas.microsoft.com/office/powerpoint/2010/main" val="1169307323"/>
+        <p14:creationId xmlns:p14="http://schemas.microsoft.com/office/powerpoint/2010/main" xmlns="" val="1169307323"/>
       </p:ext>
     </p:extLst>
   </p:cSld>
@@ -3203,7 +3227,7 @@
     </p:spTree>
     <p:extLst>
       <p:ext uri="{BB962C8B-B14F-4D97-AF65-F5344CB8AC3E}">
-        <p14:creationId xmlns:p14="http://schemas.microsoft.com/office/powerpoint/2010/main" val="4020261249"/>
+        <p14:creationId xmlns:p14="http://schemas.microsoft.com/office/powerpoint/2010/main" xmlns="" val="4020261249"/>
       </p:ext>
     </p:extLst>
   </p:cSld>
@@ -3296,7 +3320,7 @@
     </p:spTree>
     <p:extLst>
       <p:ext uri="{BB962C8B-B14F-4D97-AF65-F5344CB8AC3E}">
-        <p14:creationId xmlns:p14="http://schemas.microsoft.com/office/powerpoint/2010/main" val="3864495746"/>
+        <p14:creationId xmlns:p14="http://schemas.microsoft.com/office/powerpoint/2010/main" xmlns="" val="3864495746"/>
       </p:ext>
     </p:extLst>
   </p:cSld>
@@ -3482,7 +3506,7 @@
     </p:spTree>
     <p:extLst>
       <p:ext uri="{BB962C8B-B14F-4D97-AF65-F5344CB8AC3E}">
-        <p14:creationId xmlns:p14="http://schemas.microsoft.com/office/powerpoint/2010/main" val="2536534125"/>
+        <p14:creationId xmlns:p14="http://schemas.microsoft.com/office/powerpoint/2010/main" xmlns="" val="2536534125"/>
       </p:ext>
     </p:extLst>
   </p:cSld>
@@ -3661,7 +3685,7 @@
     </p:spTree>
     <p:extLst>
       <p:ext uri="{BB962C8B-B14F-4D97-AF65-F5344CB8AC3E}">
-        <p14:creationId xmlns:p14="http://schemas.microsoft.com/office/powerpoint/2010/main" val="3417312827"/>
+        <p14:creationId xmlns:p14="http://schemas.microsoft.com/office/powerpoint/2010/main" xmlns="" val="3417312827"/>
       </p:ext>
     </p:extLst>
   </p:cSld>
@@ -3847,7 +3871,7 @@
     </p:spTree>
     <p:extLst>
       <p:ext uri="{BB962C8B-B14F-4D97-AF65-F5344CB8AC3E}">
-        <p14:creationId xmlns:p14="http://schemas.microsoft.com/office/powerpoint/2010/main" val="2936065532"/>
+        <p14:creationId xmlns:p14="http://schemas.microsoft.com/office/powerpoint/2010/main" xmlns="" val="2936065532"/>
       </p:ext>
     </p:extLst>
   </p:cSld>
@@ -3936,27 +3960,7 @@
                 <a:latin typeface="微軟正黑體" pitchFamily="34" charset="-120"/>
                 <a:ea typeface="微軟正黑體" pitchFamily="34" charset="-120"/>
               </a:rPr>
-              <a:t>也要定</a:t>
-            </a:r>
-            <a:r>
-              <a:rPr lang="zh-TW" altLang="en-US" sz="6400" b="1" dirty="0">
-                <a:solidFill>
-                  <a:srgbClr val="000066"/>
-                </a:solidFill>
-                <a:latin typeface="微軟正黑體" pitchFamily="34" charset="-120"/>
-                <a:ea typeface="微軟正黑體" pitchFamily="34" charset="-120"/>
-              </a:rPr>
-              <a:t>意敬</a:t>
-            </a:r>
-            <a:r>
-              <a:rPr lang="zh-TW" altLang="en-US" sz="6400" b="1" dirty="0">
-                <a:solidFill>
-                  <a:srgbClr val="000066"/>
-                </a:solidFill>
-                <a:latin typeface="微軟正黑體" pitchFamily="34" charset="-120"/>
-                <a:ea typeface="微軟正黑體" pitchFamily="34" charset="-120"/>
-              </a:rPr>
-              <a:t>拜</a:t>
+              <a:t>也要定意敬拜</a:t>
             </a:r>
             <a:r>
               <a:rPr lang="zh-CN" altLang="en-US" sz="6400" b="1" dirty="0">
@@ -4063,7 +4067,7 @@
     </p:spTree>
     <p:extLst>
       <p:ext uri="{BB962C8B-B14F-4D97-AF65-F5344CB8AC3E}">
-        <p14:creationId xmlns:p14="http://schemas.microsoft.com/office/powerpoint/2010/main" val="340627461"/>
+        <p14:creationId xmlns:p14="http://schemas.microsoft.com/office/powerpoint/2010/main" xmlns="" val="340627461"/>
       </p:ext>
     </p:extLst>
   </p:cSld>
@@ -4279,7 +4283,7 @@
     </p:spTree>
     <p:extLst>
       <p:ext uri="{BB962C8B-B14F-4D97-AF65-F5344CB8AC3E}">
-        <p14:creationId xmlns:p14="http://schemas.microsoft.com/office/powerpoint/2010/main" val="274104943"/>
+        <p14:creationId xmlns:p14="http://schemas.microsoft.com/office/powerpoint/2010/main" xmlns="" val="274104943"/>
       </p:ext>
     </p:extLst>
   </p:cSld>
@@ -4455,7 +4459,7 @@
     </p:spTree>
     <p:extLst>
       <p:ext uri="{BB962C8B-B14F-4D97-AF65-F5344CB8AC3E}">
-        <p14:creationId xmlns:p14="http://schemas.microsoft.com/office/powerpoint/2010/main" val="3558308906"/>
+        <p14:creationId xmlns:p14="http://schemas.microsoft.com/office/powerpoint/2010/main" xmlns="" val="3558308906"/>
       </p:ext>
     </p:extLst>
   </p:cSld>
@@ -4711,7 +4715,7 @@
     </p:spTree>
     <p:extLst>
       <p:ext uri="{BB962C8B-B14F-4D97-AF65-F5344CB8AC3E}">
-        <p14:creationId xmlns:p14="http://schemas.microsoft.com/office/powerpoint/2010/main" val="2209339744"/>
+        <p14:creationId xmlns:p14="http://schemas.microsoft.com/office/powerpoint/2010/main" xmlns="" val="2209339744"/>
       </p:ext>
     </p:extLst>
   </p:cSld>
@@ -4885,7 +4889,7 @@
     </p:spTree>
     <p:extLst>
       <p:ext uri="{BB962C8B-B14F-4D97-AF65-F5344CB8AC3E}">
-        <p14:creationId xmlns:p14="http://schemas.microsoft.com/office/powerpoint/2010/main" val="1328269914"/>
+        <p14:creationId xmlns:p14="http://schemas.microsoft.com/office/powerpoint/2010/main" xmlns="" val="1328269914"/>
       </p:ext>
     </p:extLst>
   </p:cSld>
@@ -5101,7 +5105,7 @@
     </p:spTree>
     <p:extLst>
       <p:ext uri="{BB962C8B-B14F-4D97-AF65-F5344CB8AC3E}">
-        <p14:creationId xmlns:p14="http://schemas.microsoft.com/office/powerpoint/2010/main" val="4026260914"/>
+        <p14:creationId xmlns:p14="http://schemas.microsoft.com/office/powerpoint/2010/main" xmlns="" val="4026260914"/>
       </p:ext>
     </p:extLst>
   </p:cSld>
@@ -5287,7 +5291,7 @@
     </p:spTree>
     <p:extLst>
       <p:ext uri="{BB962C8B-B14F-4D97-AF65-F5344CB8AC3E}">
-        <p14:creationId xmlns:p14="http://schemas.microsoft.com/office/powerpoint/2010/main" val="3176108326"/>
+        <p14:creationId xmlns:p14="http://schemas.microsoft.com/office/powerpoint/2010/main" xmlns="" val="3176108326"/>
       </p:ext>
     </p:extLst>
   </p:cSld>
@@ -5463,7 +5467,7 @@
     </p:spTree>
     <p:extLst>
       <p:ext uri="{BB962C8B-B14F-4D97-AF65-F5344CB8AC3E}">
-        <p14:creationId xmlns:p14="http://schemas.microsoft.com/office/powerpoint/2010/main" val="3279717044"/>
+        <p14:creationId xmlns:p14="http://schemas.microsoft.com/office/powerpoint/2010/main" xmlns="" val="3279717044"/>
       </p:ext>
     </p:extLst>
   </p:cSld>
@@ -5719,7 +5723,7 @@
     </p:spTree>
     <p:extLst>
       <p:ext uri="{BB962C8B-B14F-4D97-AF65-F5344CB8AC3E}">
-        <p14:creationId xmlns:p14="http://schemas.microsoft.com/office/powerpoint/2010/main" val="543784996"/>
+        <p14:creationId xmlns:p14="http://schemas.microsoft.com/office/powerpoint/2010/main" xmlns="" val="543784996"/>
       </p:ext>
     </p:extLst>
   </p:cSld>
@@ -5893,7 +5897,7 @@
     </p:spTree>
     <p:extLst>
       <p:ext uri="{BB962C8B-B14F-4D97-AF65-F5344CB8AC3E}">
-        <p14:creationId xmlns:p14="http://schemas.microsoft.com/office/powerpoint/2010/main" val="1132554887"/>
+        <p14:creationId xmlns:p14="http://schemas.microsoft.com/office/powerpoint/2010/main" xmlns="" val="1132554887"/>
       </p:ext>
     </p:extLst>
   </p:cSld>
@@ -5989,13 +5993,20 @@
     </p:spTree>
     <p:extLst>
       <p:ext uri="{BB962C8B-B14F-4D97-AF65-F5344CB8AC3E}">
-        <p14:creationId xmlns:p14="http://schemas.microsoft.com/office/powerpoint/2010/main" val="1211935611"/>
+        <p14:creationId xmlns:p14="http://schemas.microsoft.com/office/powerpoint/2010/main" xmlns="" val="1211935611"/>
       </p:ext>
     </p:extLst>
   </p:cSld>
   <p:clrMapOvr>
     <a:masterClrMapping/>
   </p:clrMapOvr>
+  <p:timing>
+    <p:tnLst>
+      <p:par>
+        <p:cTn id="1" dur="indefinite" restart="never" nodeType="tmRoot"/>
+      </p:par>
+    </p:tnLst>
+  </p:timing>
 </p:sld>
 </file>
 
@@ -6178,13 +6189,20 @@
     </p:spTree>
     <p:extLst>
       <p:ext uri="{BB962C8B-B14F-4D97-AF65-F5344CB8AC3E}">
-        <p14:creationId xmlns:p14="http://schemas.microsoft.com/office/powerpoint/2010/main" val="1156876461"/>
+        <p14:creationId xmlns:p14="http://schemas.microsoft.com/office/powerpoint/2010/main" xmlns="" val="1156876461"/>
       </p:ext>
     </p:extLst>
   </p:cSld>
   <p:clrMapOvr>
     <a:masterClrMapping/>
   </p:clrMapOvr>
+  <p:timing>
+    <p:tnLst>
+      <p:par>
+        <p:cTn id="1" dur="indefinite" restart="never" nodeType="tmRoot"/>
+      </p:par>
+    </p:tnLst>
+  </p:timing>
 </p:sld>
 </file>
 
@@ -6380,13 +6398,20 @@
     </p:spTree>
     <p:extLst>
       <p:ext uri="{BB962C8B-B14F-4D97-AF65-F5344CB8AC3E}">
-        <p14:creationId xmlns:p14="http://schemas.microsoft.com/office/powerpoint/2010/main" val="1629816028"/>
+        <p14:creationId xmlns:p14="http://schemas.microsoft.com/office/powerpoint/2010/main" xmlns="" val="1629816028"/>
       </p:ext>
     </p:extLst>
   </p:cSld>
   <p:clrMapOvr>
     <a:masterClrMapping/>
   </p:clrMapOvr>
+  <p:timing>
+    <p:tnLst>
+      <p:par>
+        <p:cTn id="1" dur="indefinite" restart="never" nodeType="tmRoot"/>
+      </p:par>
+    </p:tnLst>
+  </p:timing>
 </p:sld>
 </file>
 
@@ -6559,13 +6584,20 @@
     </p:spTree>
     <p:extLst>
       <p:ext uri="{BB962C8B-B14F-4D97-AF65-F5344CB8AC3E}">
-        <p14:creationId xmlns:p14="http://schemas.microsoft.com/office/powerpoint/2010/main" val="3428213619"/>
+        <p14:creationId xmlns:p14="http://schemas.microsoft.com/office/powerpoint/2010/main" xmlns="" val="3428213619"/>
       </p:ext>
     </p:extLst>
   </p:cSld>
   <p:clrMapOvr>
     <a:masterClrMapping/>
   </p:clrMapOvr>
+  <p:timing>
+    <p:tnLst>
+      <p:par>
+        <p:cTn id="1" dur="indefinite" restart="never" nodeType="tmRoot"/>
+      </p:par>
+    </p:tnLst>
+  </p:timing>
 </p:sld>
 </file>
 
@@ -6751,13 +6783,20 @@
     </p:spTree>
     <p:extLst>
       <p:ext uri="{BB962C8B-B14F-4D97-AF65-F5344CB8AC3E}">
-        <p14:creationId xmlns:p14="http://schemas.microsoft.com/office/powerpoint/2010/main" val="1667287746"/>
+        <p14:creationId xmlns:p14="http://schemas.microsoft.com/office/powerpoint/2010/main" xmlns="" val="1667287746"/>
       </p:ext>
     </p:extLst>
   </p:cSld>
   <p:clrMapOvr>
     <a:masterClrMapping/>
   </p:clrMapOvr>
+  <p:timing>
+    <p:tnLst>
+      <p:par>
+        <p:cTn id="1" dur="indefinite" restart="never" nodeType="tmRoot"/>
+      </p:par>
+    </p:tnLst>
+  </p:timing>
 </p:sld>
 </file>
 
@@ -6923,13 +6962,20 @@
     </p:spTree>
     <p:extLst>
       <p:ext uri="{BB962C8B-B14F-4D97-AF65-F5344CB8AC3E}">
-        <p14:creationId xmlns:p14="http://schemas.microsoft.com/office/powerpoint/2010/main" val="1971960200"/>
+        <p14:creationId xmlns:p14="http://schemas.microsoft.com/office/powerpoint/2010/main" xmlns="" val="1971960200"/>
       </p:ext>
     </p:extLst>
   </p:cSld>
   <p:clrMapOvr>
     <a:masterClrMapping/>
   </p:clrMapOvr>
+  <p:timing>
+    <p:tnLst>
+      <p:par>
+        <p:cTn id="1" dur="indefinite" restart="never" nodeType="tmRoot"/>
+      </p:par>
+    </p:tnLst>
+  </p:timing>
 </p:sld>
 </file>
 
@@ -7115,13 +7161,20 @@
     </p:spTree>
     <p:extLst>
       <p:ext uri="{BB962C8B-B14F-4D97-AF65-F5344CB8AC3E}">
-        <p14:creationId xmlns:p14="http://schemas.microsoft.com/office/powerpoint/2010/main" val="36524115"/>
+        <p14:creationId xmlns:p14="http://schemas.microsoft.com/office/powerpoint/2010/main" xmlns="" val="36524115"/>
       </p:ext>
     </p:extLst>
   </p:cSld>
   <p:clrMapOvr>
     <a:masterClrMapping/>
   </p:clrMapOvr>
+  <p:timing>
+    <p:tnLst>
+      <p:par>
+        <p:cTn id="1" dur="indefinite" restart="never" nodeType="tmRoot"/>
+      </p:par>
+    </p:tnLst>
+  </p:timing>
 </p:sld>
 </file>
 
@@ -7287,7 +7340,7 @@
     </p:spTree>
     <p:extLst>
       <p:ext uri="{BB962C8B-B14F-4D97-AF65-F5344CB8AC3E}">
-        <p14:creationId xmlns:p14="http://schemas.microsoft.com/office/powerpoint/2010/main" val="118238075"/>
+        <p14:creationId xmlns:p14="http://schemas.microsoft.com/office/powerpoint/2010/main" xmlns="" val="118238075"/>
       </p:ext>
     </p:extLst>
   </p:cSld>
@@ -7383,13 +7436,20 @@
     </p:spTree>
     <p:extLst>
       <p:ext uri="{BB962C8B-B14F-4D97-AF65-F5344CB8AC3E}">
-        <p14:creationId xmlns:p14="http://schemas.microsoft.com/office/powerpoint/2010/main" val="1180957284"/>
+        <p14:creationId xmlns:p14="http://schemas.microsoft.com/office/powerpoint/2010/main" xmlns="" val="1180957284"/>
       </p:ext>
     </p:extLst>
   </p:cSld>
   <p:clrMapOvr>
     <a:masterClrMapping/>
   </p:clrMapOvr>
+  <p:timing>
+    <p:tnLst>
+      <p:par>
+        <p:cTn id="1" dur="indefinite" restart="never" nodeType="tmRoot"/>
+      </p:par>
+    </p:tnLst>
+  </p:timing>
 </p:sld>
 </file>
 
@@ -7572,13 +7632,20 @@
     </p:spTree>
     <p:extLst>
       <p:ext uri="{BB962C8B-B14F-4D97-AF65-F5344CB8AC3E}">
-        <p14:creationId xmlns:p14="http://schemas.microsoft.com/office/powerpoint/2010/main" val="4036807179"/>
+        <p14:creationId xmlns:p14="http://schemas.microsoft.com/office/powerpoint/2010/main" xmlns="" val="4036807179"/>
       </p:ext>
     </p:extLst>
   </p:cSld>
   <p:clrMapOvr>
     <a:masterClrMapping/>
   </p:clrMapOvr>
+  <p:timing>
+    <p:tnLst>
+      <p:par>
+        <p:cTn id="1" dur="indefinite" restart="never" nodeType="tmRoot"/>
+      </p:par>
+    </p:tnLst>
+  </p:timing>
 </p:sld>
 </file>
 
@@ -7632,7 +7699,47 @@
                 <a:latin typeface="微軟正黑體" pitchFamily="34" charset="-120"/>
                 <a:ea typeface="微軟正黑體" pitchFamily="34" charset="-120"/>
               </a:rPr>
-              <a:t>願讚美崇揚都一一歸給</a:t>
+              <a:t>願</a:t>
+            </a:r>
+            <a:r>
+              <a:rPr lang="zh-TW" altLang="en-US" sz="6400" b="1" dirty="0" smtClean="0">
+                <a:solidFill>
+                  <a:srgbClr val="660033"/>
+                </a:solidFill>
+                <a:latin typeface="微軟正黑體" pitchFamily="34" charset="-120"/>
+                <a:ea typeface="微軟正黑體" pitchFamily="34" charset="-120"/>
+              </a:rPr>
+              <a:t>讚美</a:t>
+            </a:r>
+            <a:r>
+              <a:rPr lang="zh-CN" altLang="en-US" sz="6400" b="1" dirty="0" smtClean="0">
+                <a:solidFill>
+                  <a:srgbClr val="660033"/>
+                </a:solidFill>
+                <a:latin typeface="微軟正黑體" pitchFamily="34" charset="-120"/>
+                <a:ea typeface="微軟正黑體" pitchFamily="34" charset="-120"/>
+              </a:rPr>
+              <a:t>頌</a:t>
+            </a:r>
+            <a:r>
+              <a:rPr lang="zh-TW" altLang="en-US" sz="6400" b="1" dirty="0" smtClean="0">
+                <a:solidFill>
+                  <a:srgbClr val="660033"/>
+                </a:solidFill>
+                <a:latin typeface="微軟正黑體" pitchFamily="34" charset="-120"/>
+                <a:ea typeface="微軟正黑體" pitchFamily="34" charset="-120"/>
+              </a:rPr>
+              <a:t>揚</a:t>
+            </a:r>
+            <a:r>
+              <a:rPr lang="zh-TW" altLang="en-US" sz="6400" b="1" dirty="0">
+                <a:solidFill>
+                  <a:srgbClr val="660033"/>
+                </a:solidFill>
+                <a:latin typeface="微軟正黑體" pitchFamily="34" charset="-120"/>
+                <a:ea typeface="微軟正黑體" pitchFamily="34" charset="-120"/>
+              </a:rPr>
+              <a:t>都一一歸給</a:t>
             </a:r>
             <a:r>
               <a:rPr lang="zh-CN" altLang="en-US" sz="6400" b="1" dirty="0">
@@ -7774,13 +7881,20 @@
     </p:spTree>
     <p:extLst>
       <p:ext uri="{BB962C8B-B14F-4D97-AF65-F5344CB8AC3E}">
-        <p14:creationId xmlns:p14="http://schemas.microsoft.com/office/powerpoint/2010/main" val="3557135613"/>
+        <p14:creationId xmlns:p14="http://schemas.microsoft.com/office/powerpoint/2010/main" xmlns="" val="3557135613"/>
       </p:ext>
     </p:extLst>
   </p:cSld>
   <p:clrMapOvr>
     <a:masterClrMapping/>
   </p:clrMapOvr>
+  <p:timing>
+    <p:tnLst>
+      <p:par>
+        <p:cTn id="1" dur="indefinite" restart="never" nodeType="tmRoot"/>
+      </p:par>
+    </p:tnLst>
+  </p:timing>
 </p:sld>
 </file>
 
@@ -7953,13 +8067,20 @@
     </p:spTree>
     <p:extLst>
       <p:ext uri="{BB962C8B-B14F-4D97-AF65-F5344CB8AC3E}">
-        <p14:creationId xmlns:p14="http://schemas.microsoft.com/office/powerpoint/2010/main" val="516562462"/>
+        <p14:creationId xmlns:p14="http://schemas.microsoft.com/office/powerpoint/2010/main" xmlns="" val="516562462"/>
       </p:ext>
     </p:extLst>
   </p:cSld>
   <p:clrMapOvr>
     <a:masterClrMapping/>
   </p:clrMapOvr>
+  <p:timing>
+    <p:tnLst>
+      <p:par>
+        <p:cTn id="1" dur="indefinite" restart="never" nodeType="tmRoot"/>
+      </p:par>
+    </p:tnLst>
+  </p:timing>
 </p:sld>
 </file>
 
@@ -8145,13 +8266,20 @@
     </p:spTree>
     <p:extLst>
       <p:ext uri="{BB962C8B-B14F-4D97-AF65-F5344CB8AC3E}">
-        <p14:creationId xmlns:p14="http://schemas.microsoft.com/office/powerpoint/2010/main" val="2975139367"/>
+        <p14:creationId xmlns:p14="http://schemas.microsoft.com/office/powerpoint/2010/main" xmlns="" val="2975139367"/>
       </p:ext>
     </p:extLst>
   </p:cSld>
   <p:clrMapOvr>
     <a:masterClrMapping/>
   </p:clrMapOvr>
+  <p:timing>
+    <p:tnLst>
+      <p:par>
+        <p:cTn id="1" dur="indefinite" restart="never" nodeType="tmRoot"/>
+      </p:par>
+    </p:tnLst>
+  </p:timing>
 </p:sld>
 </file>
 
@@ -8317,13 +8445,20 @@
     </p:spTree>
     <p:extLst>
       <p:ext uri="{BB962C8B-B14F-4D97-AF65-F5344CB8AC3E}">
-        <p14:creationId xmlns:p14="http://schemas.microsoft.com/office/powerpoint/2010/main" val="3799118363"/>
+        <p14:creationId xmlns:p14="http://schemas.microsoft.com/office/powerpoint/2010/main" xmlns="" val="3799118363"/>
       </p:ext>
     </p:extLst>
   </p:cSld>
   <p:clrMapOvr>
     <a:masterClrMapping/>
   </p:clrMapOvr>
+  <p:timing>
+    <p:tnLst>
+      <p:par>
+        <p:cTn id="1" dur="indefinite" restart="never" nodeType="tmRoot"/>
+      </p:par>
+    </p:tnLst>
+  </p:timing>
 </p:sld>
 </file>
 
@@ -8509,13 +8644,20 @@
     </p:spTree>
     <p:extLst>
       <p:ext uri="{BB962C8B-B14F-4D97-AF65-F5344CB8AC3E}">
-        <p14:creationId xmlns:p14="http://schemas.microsoft.com/office/powerpoint/2010/main" val="1550408915"/>
+        <p14:creationId xmlns:p14="http://schemas.microsoft.com/office/powerpoint/2010/main" xmlns="" val="1550408915"/>
       </p:ext>
     </p:extLst>
   </p:cSld>
   <p:clrMapOvr>
     <a:masterClrMapping/>
   </p:clrMapOvr>
+  <p:timing>
+    <p:tnLst>
+      <p:par>
+        <p:cTn id="1" dur="indefinite" restart="never" nodeType="tmRoot"/>
+      </p:par>
+    </p:tnLst>
+  </p:timing>
 </p:sld>
 </file>
 
@@ -8681,13 +8823,20 @@
     </p:spTree>
     <p:extLst>
       <p:ext uri="{BB962C8B-B14F-4D97-AF65-F5344CB8AC3E}">
-        <p14:creationId xmlns:p14="http://schemas.microsoft.com/office/powerpoint/2010/main" val="1624736417"/>
+        <p14:creationId xmlns:p14="http://schemas.microsoft.com/office/powerpoint/2010/main" xmlns="" val="1624736417"/>
       </p:ext>
     </p:extLst>
   </p:cSld>
   <p:clrMapOvr>
     <a:masterClrMapping/>
   </p:clrMapOvr>
+  <p:timing>
+    <p:tnLst>
+      <p:par>
+        <p:cTn id="1" dur="indefinite" restart="never" nodeType="tmRoot"/>
+      </p:par>
+    </p:tnLst>
+  </p:timing>
 </p:sld>
 </file>
 
@@ -8873,13 +9022,20 @@
     </p:spTree>
     <p:extLst>
       <p:ext uri="{BB962C8B-B14F-4D97-AF65-F5344CB8AC3E}">
-        <p14:creationId xmlns:p14="http://schemas.microsoft.com/office/powerpoint/2010/main" val="1502681525"/>
+        <p14:creationId xmlns:p14="http://schemas.microsoft.com/office/powerpoint/2010/main" xmlns="" val="1502681525"/>
       </p:ext>
     </p:extLst>
   </p:cSld>
   <p:clrMapOvr>
     <a:masterClrMapping/>
   </p:clrMapOvr>
+  <p:timing>
+    <p:tnLst>
+      <p:par>
+        <p:cTn id="1" dur="indefinite" restart="never" nodeType="tmRoot"/>
+      </p:par>
+    </p:tnLst>
+  </p:timing>
 </p:sld>
 </file>
 
@@ -9045,13 +9201,20 @@
     </p:spTree>
     <p:extLst>
       <p:ext uri="{BB962C8B-B14F-4D97-AF65-F5344CB8AC3E}">
-        <p14:creationId xmlns:p14="http://schemas.microsoft.com/office/powerpoint/2010/main" val="3249159728"/>
+        <p14:creationId xmlns:p14="http://schemas.microsoft.com/office/powerpoint/2010/main" xmlns="" val="3249159728"/>
       </p:ext>
     </p:extLst>
   </p:cSld>
   <p:clrMapOvr>
     <a:masterClrMapping/>
   </p:clrMapOvr>
+  <p:timing>
+    <p:tnLst>
+      <p:par>
+        <p:cTn id="1" dur="indefinite" restart="never" nodeType="tmRoot"/>
+      </p:par>
+    </p:tnLst>
+  </p:timing>
 </p:sld>
 </file>
 
@@ -9224,7 +9387,7 @@
     </p:spTree>
     <p:extLst>
       <p:ext uri="{BB962C8B-B14F-4D97-AF65-F5344CB8AC3E}">
-        <p14:creationId xmlns:p14="http://schemas.microsoft.com/office/powerpoint/2010/main" val="882227267"/>
+        <p14:creationId xmlns:p14="http://schemas.microsoft.com/office/powerpoint/2010/main" xmlns="" val="882227267"/>
       </p:ext>
     </p:extLst>
   </p:cSld>
@@ -9423,13 +9586,20 @@
     </p:spTree>
     <p:extLst>
       <p:ext uri="{BB962C8B-B14F-4D97-AF65-F5344CB8AC3E}">
-        <p14:creationId xmlns:p14="http://schemas.microsoft.com/office/powerpoint/2010/main" val="315186187"/>
+        <p14:creationId xmlns:p14="http://schemas.microsoft.com/office/powerpoint/2010/main" xmlns="" val="315186187"/>
       </p:ext>
     </p:extLst>
   </p:cSld>
   <p:clrMapOvr>
     <a:masterClrMapping/>
   </p:clrMapOvr>
+  <p:timing>
+    <p:tnLst>
+      <p:par>
+        <p:cTn id="1" dur="indefinite" restart="never" nodeType="tmRoot"/>
+      </p:par>
+    </p:tnLst>
+  </p:timing>
 </p:sld>
 </file>
 
@@ -9605,13 +9775,20 @@
     </p:spTree>
     <p:extLst>
       <p:ext uri="{BB962C8B-B14F-4D97-AF65-F5344CB8AC3E}">
-        <p14:creationId xmlns:p14="http://schemas.microsoft.com/office/powerpoint/2010/main" val="1876666405"/>
+        <p14:creationId xmlns:p14="http://schemas.microsoft.com/office/powerpoint/2010/main" xmlns="" val="1876666405"/>
       </p:ext>
     </p:extLst>
   </p:cSld>
   <p:clrMapOvr>
     <a:masterClrMapping/>
   </p:clrMapOvr>
+  <p:timing>
+    <p:tnLst>
+      <p:par>
+        <p:cTn id="1" dur="indefinite" restart="never" nodeType="tmRoot"/>
+      </p:par>
+    </p:tnLst>
+  </p:timing>
 </p:sld>
 </file>
 
@@ -9687,27 +9864,7 @@
                 <a:latin typeface="微軟正黑體" pitchFamily="34" charset="-120"/>
                 <a:ea typeface="微軟正黑體" pitchFamily="34" charset="-120"/>
               </a:rPr>
-              <a:t>也要定</a:t>
-            </a:r>
-            <a:r>
-              <a:rPr lang="zh-TW" altLang="en-US" sz="6400" b="1" dirty="0">
-                <a:solidFill>
-                  <a:srgbClr val="000066"/>
-                </a:solidFill>
-                <a:latin typeface="微軟正黑體" pitchFamily="34" charset="-120"/>
-                <a:ea typeface="微軟正黑體" pitchFamily="34" charset="-120"/>
-              </a:rPr>
-              <a:t>意敬</a:t>
-            </a:r>
-            <a:r>
-              <a:rPr lang="zh-TW" altLang="en-US" sz="6400" b="1" dirty="0">
-                <a:solidFill>
-                  <a:srgbClr val="000066"/>
-                </a:solidFill>
-                <a:latin typeface="微軟正黑體" pitchFamily="34" charset="-120"/>
-                <a:ea typeface="微軟正黑體" pitchFamily="34" charset="-120"/>
-              </a:rPr>
-              <a:t>拜</a:t>
+              <a:t>也要定意敬拜</a:t>
             </a:r>
             <a:r>
               <a:rPr lang="zh-CN" altLang="en-US" sz="6400" b="1" dirty="0">
@@ -9814,7 +9971,7 @@
     </p:spTree>
     <p:extLst>
       <p:ext uri="{BB962C8B-B14F-4D97-AF65-F5344CB8AC3E}">
-        <p14:creationId xmlns:p14="http://schemas.microsoft.com/office/powerpoint/2010/main" val="2387249726"/>
+        <p14:creationId xmlns:p14="http://schemas.microsoft.com/office/powerpoint/2010/main" xmlns="" val="2387249726"/>
       </p:ext>
     </p:extLst>
   </p:cSld>
@@ -10030,7 +10187,7 @@
     </p:spTree>
     <p:extLst>
       <p:ext uri="{BB962C8B-B14F-4D97-AF65-F5344CB8AC3E}">
-        <p14:creationId xmlns:p14="http://schemas.microsoft.com/office/powerpoint/2010/main" val="2235222981"/>
+        <p14:creationId xmlns:p14="http://schemas.microsoft.com/office/powerpoint/2010/main" xmlns="" val="2235222981"/>
       </p:ext>
     </p:extLst>
   </p:cSld>
@@ -10206,7 +10363,7 @@
     </p:spTree>
     <p:extLst>
       <p:ext uri="{BB962C8B-B14F-4D97-AF65-F5344CB8AC3E}">
-        <p14:creationId xmlns:p14="http://schemas.microsoft.com/office/powerpoint/2010/main" val="2087410933"/>
+        <p14:creationId xmlns:p14="http://schemas.microsoft.com/office/powerpoint/2010/main" xmlns="" val="2087410933"/>
       </p:ext>
     </p:extLst>
   </p:cSld>
@@ -10462,7 +10619,7 @@
     </p:spTree>
     <p:extLst>
       <p:ext uri="{BB962C8B-B14F-4D97-AF65-F5344CB8AC3E}">
-        <p14:creationId xmlns:p14="http://schemas.microsoft.com/office/powerpoint/2010/main" val="1109816508"/>
+        <p14:creationId xmlns:p14="http://schemas.microsoft.com/office/powerpoint/2010/main" xmlns="" val="1109816508"/>
       </p:ext>
     </p:extLst>
   </p:cSld>
@@ -10636,7 +10793,7 @@
     </p:spTree>
     <p:extLst>
       <p:ext uri="{BB962C8B-B14F-4D97-AF65-F5344CB8AC3E}">
-        <p14:creationId xmlns:p14="http://schemas.microsoft.com/office/powerpoint/2010/main" val="1542161698"/>
+        <p14:creationId xmlns:p14="http://schemas.microsoft.com/office/powerpoint/2010/main" xmlns="" val="1542161698"/>
       </p:ext>
     </p:extLst>
   </p:cSld>
@@ -10935,7 +11092,7 @@
   <a:extraClrSchemeLst/>
   <a:extLst>
     <a:ext uri="{05A4C25C-085E-4340-85A3-A5531E510DB2}">
-      <thm15:themeFamily xmlns:thm15="http://schemas.microsoft.com/office/thememl/2012/main" name="Theme1" id="{50C947AA-E878-4387-BE9D-589F450EFB2D}" vid="{E1718405-23E7-4778-B443-999E460CE376}"/>
+      <thm15:themeFamily xmlns:thm15="http://schemas.microsoft.com/office/thememl/2012/main" xmlns="" name="Theme1" id="{50C947AA-E878-4387-BE9D-589F450EFB2D}" vid="{E1718405-23E7-4778-B443-999E460CE376}"/>
     </a:ext>
   </a:extLst>
 </a:theme>
